--- a/photo-source/distri/seata原理.pptx
+++ b/photo-source/distri/seata原理.pptx
@@ -2922,7 +2922,7 @@
         </p:nvSpPr>
         <p:spPr>
           <a:xfrm>
-            <a:off x="2679700" y="505460"/>
+            <a:off x="2661285" y="915035"/>
             <a:ext cx="2449830" cy="2085340"/>
           </a:xfrm>
           <a:prstGeom prst="roundRect">
@@ -2959,7 +2959,7 @@
         </p:nvSpPr>
         <p:spPr>
           <a:xfrm>
-            <a:off x="2985135" y="2190750"/>
+            <a:off x="2966720" y="2600325"/>
             <a:ext cx="1790065" cy="318770"/>
           </a:xfrm>
           <a:prstGeom prst="roundRect">
@@ -3016,7 +3016,7 @@
         </p:nvSpPr>
         <p:spPr>
           <a:xfrm>
-            <a:off x="3292475" y="2791460"/>
+            <a:off x="3274060" y="3201035"/>
             <a:ext cx="1174115" cy="382905"/>
           </a:xfrm>
           <a:prstGeom prst="can">
@@ -3057,7 +3057,7 @@
         </p:nvSpPr>
         <p:spPr>
           <a:xfrm>
-            <a:off x="3171825" y="1169035"/>
+            <a:off x="3153410" y="1578610"/>
             <a:ext cx="1602740" cy="227965"/>
           </a:xfrm>
           <a:prstGeom prst="rect">
@@ -3106,7 +3106,7 @@
         </p:nvSpPr>
         <p:spPr>
           <a:xfrm>
-            <a:off x="3171825" y="1765300"/>
+            <a:off x="3153410" y="2174875"/>
             <a:ext cx="1602740" cy="236220"/>
           </a:xfrm>
           <a:prstGeom prst="rect">
@@ -3155,7 +3155,7 @@
         </p:nvSpPr>
         <p:spPr>
           <a:xfrm>
-            <a:off x="2844165" y="1252855"/>
+            <a:off x="2825750" y="1662430"/>
             <a:ext cx="255270" cy="655955"/>
           </a:xfrm>
           <a:prstGeom prst="leftBrace">
@@ -3195,7 +3195,7 @@
         </p:nvCxnSpPr>
         <p:spPr>
           <a:xfrm flipH="1">
-            <a:off x="3879850" y="2509520"/>
+            <a:off x="3861435" y="2919095"/>
             <a:ext cx="635" cy="281940"/>
           </a:xfrm>
           <a:prstGeom prst="straightConnector1">
@@ -3228,7 +3228,7 @@
         </p:nvSpPr>
         <p:spPr>
           <a:xfrm>
-            <a:off x="2679700" y="3959860"/>
+            <a:off x="2661285" y="4369435"/>
             <a:ext cx="2449830" cy="1593850"/>
           </a:xfrm>
           <a:prstGeom prst="roundRect">
@@ -3265,7 +3265,7 @@
         </p:nvSpPr>
         <p:spPr>
           <a:xfrm>
-            <a:off x="2984500" y="5017770"/>
+            <a:off x="2966085" y="5427345"/>
             <a:ext cx="1790065" cy="382270"/>
           </a:xfrm>
           <a:prstGeom prst="roundRect">
@@ -3322,7 +3322,7 @@
         </p:nvSpPr>
         <p:spPr>
           <a:xfrm>
-            <a:off x="3293110" y="5754370"/>
+            <a:off x="3274695" y="6163945"/>
             <a:ext cx="1174115" cy="382905"/>
           </a:xfrm>
           <a:prstGeom prst="can">
@@ -3363,7 +3363,7 @@
         </p:nvSpPr>
         <p:spPr>
           <a:xfrm>
-            <a:off x="3171825" y="4197350"/>
+            <a:off x="3153410" y="4606925"/>
             <a:ext cx="1602740" cy="227965"/>
           </a:xfrm>
           <a:prstGeom prst="rect">
@@ -3412,7 +3412,7 @@
         </p:nvSpPr>
         <p:spPr>
           <a:xfrm>
-            <a:off x="3171825" y="4652645"/>
+            <a:off x="3153410" y="5062220"/>
             <a:ext cx="1602740" cy="236220"/>
           </a:xfrm>
           <a:prstGeom prst="rect">
@@ -3461,7 +3461,7 @@
         </p:nvSpPr>
         <p:spPr>
           <a:xfrm>
-            <a:off x="2844165" y="4215765"/>
+            <a:off x="2825750" y="4625340"/>
             <a:ext cx="255270" cy="655955"/>
           </a:xfrm>
           <a:prstGeom prst="leftBrace">
@@ -3501,7 +3501,7 @@
         </p:nvCxnSpPr>
         <p:spPr>
           <a:xfrm>
-            <a:off x="3879850" y="5400040"/>
+            <a:off x="3861435" y="5809615"/>
             <a:ext cx="635" cy="354330"/>
           </a:xfrm>
           <a:prstGeom prst="straightConnector1">
@@ -3534,7 +3534,7 @@
         </p:nvSpPr>
         <p:spPr>
           <a:xfrm>
-            <a:off x="1769745" y="1397635"/>
+            <a:off x="1751330" y="1807210"/>
             <a:ext cx="746125" cy="368300"/>
           </a:xfrm>
           <a:prstGeom prst="rect">
@@ -3563,7 +3563,7 @@
         </p:nvSpPr>
         <p:spPr>
           <a:xfrm>
-            <a:off x="1769745" y="4563110"/>
+            <a:off x="1751330" y="4972685"/>
             <a:ext cx="746125" cy="368300"/>
           </a:xfrm>
           <a:prstGeom prst="rect">
@@ -3592,7 +3592,7 @@
         </p:nvSpPr>
         <p:spPr>
           <a:xfrm>
-            <a:off x="8845550" y="572770"/>
+            <a:off x="8827135" y="982345"/>
             <a:ext cx="1329690" cy="5619750"/>
           </a:xfrm>
           <a:prstGeom prst="roundRect">
@@ -3643,7 +3643,7 @@
         </p:nvCxnSpPr>
         <p:spPr>
           <a:xfrm flipV="1">
-            <a:off x="4775200" y="2348865"/>
+            <a:off x="4756785" y="2758440"/>
             <a:ext cx="4006850" cy="1270"/>
           </a:xfrm>
           <a:prstGeom prst="straightConnector1">
@@ -3677,7 +3677,7 @@
         </p:nvCxnSpPr>
         <p:spPr>
           <a:xfrm>
-            <a:off x="4770755" y="5207000"/>
+            <a:off x="4752340" y="5616575"/>
             <a:ext cx="4020185" cy="1905"/>
           </a:xfrm>
           <a:prstGeom prst="straightConnector1">
@@ -3711,7 +3711,7 @@
         </p:nvSpPr>
         <p:spPr>
           <a:xfrm>
-            <a:off x="4392930" y="3349625"/>
+            <a:off x="4374515" y="3759200"/>
             <a:ext cx="964565" cy="306705"/>
           </a:xfrm>
           <a:prstGeom prst="rect">
@@ -3744,7 +3744,7 @@
         </p:nvSpPr>
         <p:spPr>
           <a:xfrm>
-            <a:off x="2984500" y="655320"/>
+            <a:off x="2966085" y="1064895"/>
             <a:ext cx="1840230" cy="281940"/>
           </a:xfrm>
           <a:prstGeom prst="rect">
@@ -3809,7 +3809,7 @@
         </p:nvCxnSpPr>
         <p:spPr>
           <a:xfrm>
-            <a:off x="4824730" y="796290"/>
+            <a:off x="4806315" y="1205865"/>
             <a:ext cx="3984625" cy="4445"/>
           </a:xfrm>
           <a:prstGeom prst="straightConnector1">
@@ -3843,7 +3843,7 @@
         </p:nvSpPr>
         <p:spPr>
           <a:xfrm>
-            <a:off x="7005955" y="572770"/>
+            <a:off x="6987540" y="982345"/>
             <a:ext cx="1776095" cy="245110"/>
           </a:xfrm>
           <a:prstGeom prst="rect">
@@ -3876,7 +3876,7 @@
         </p:nvSpPr>
         <p:spPr>
           <a:xfrm>
-            <a:off x="3171825" y="1463040"/>
+            <a:off x="3153410" y="1872615"/>
             <a:ext cx="1602740" cy="236220"/>
           </a:xfrm>
           <a:prstGeom prst="rect">
@@ -3924,7 +3924,7 @@
         </p:nvCxnSpPr>
         <p:spPr>
           <a:xfrm>
-            <a:off x="4774565" y="1581150"/>
+            <a:off x="4756150" y="1990725"/>
             <a:ext cx="354965" cy="3175635"/>
           </a:xfrm>
           <a:prstGeom prst="bentConnector3">
@@ -3959,7 +3959,7 @@
         </p:nvSpPr>
         <p:spPr>
           <a:xfrm>
-            <a:off x="7469505" y="2103755"/>
+            <a:off x="7451090" y="2513330"/>
             <a:ext cx="1102360" cy="245110"/>
           </a:xfrm>
           <a:prstGeom prst="rect">
@@ -3992,7 +3992,7 @@
         </p:nvSpPr>
         <p:spPr>
           <a:xfrm>
-            <a:off x="5703570" y="1125855"/>
+            <a:off x="5685155" y="1535430"/>
             <a:ext cx="1302385" cy="911225"/>
           </a:xfrm>
           <a:prstGeom prst="rect">
@@ -4029,7 +4029,7 @@
         </p:nvSpPr>
         <p:spPr>
           <a:xfrm>
-            <a:off x="5921375" y="1699260"/>
+            <a:off x="5902960" y="2108835"/>
             <a:ext cx="867410" cy="246380"/>
           </a:xfrm>
           <a:prstGeom prst="rect">
@@ -4074,7 +4074,7 @@
         </p:nvSpPr>
         <p:spPr>
           <a:xfrm>
-            <a:off x="5920740" y="1262380"/>
+            <a:off x="5902325" y="1671955"/>
             <a:ext cx="867410" cy="246380"/>
           </a:xfrm>
           <a:prstGeom prst="rect">
@@ -4119,7 +4119,7 @@
         </p:nvSpPr>
         <p:spPr>
           <a:xfrm>
-            <a:off x="5702935" y="4050665"/>
+            <a:off x="5684520" y="4460240"/>
             <a:ext cx="1302385" cy="911225"/>
           </a:xfrm>
           <a:prstGeom prst="rect">
@@ -4156,7 +4156,7 @@
         </p:nvSpPr>
         <p:spPr>
           <a:xfrm>
-            <a:off x="5920740" y="4624070"/>
+            <a:off x="5902325" y="5033645"/>
             <a:ext cx="867410" cy="246380"/>
           </a:xfrm>
           <a:prstGeom prst="rect">
@@ -4201,7 +4201,7 @@
         </p:nvSpPr>
         <p:spPr>
           <a:xfrm>
-            <a:off x="5920105" y="4187190"/>
+            <a:off x="5901690" y="4596765"/>
             <a:ext cx="867410" cy="246380"/>
           </a:xfrm>
           <a:prstGeom prst="rect">
@@ -4248,7 +4248,7 @@
         </p:nvCxnSpPr>
         <p:spPr>
           <a:xfrm>
-            <a:off x="6788785" y="1822450"/>
+            <a:off x="6770370" y="2232025"/>
             <a:ext cx="2002155" cy="7620"/>
           </a:xfrm>
           <a:prstGeom prst="straightConnector1">
@@ -4283,7 +4283,7 @@
         </p:nvCxnSpPr>
         <p:spPr>
           <a:xfrm>
-            <a:off x="6788150" y="4747260"/>
+            <a:off x="6769735" y="5156835"/>
             <a:ext cx="2011680" cy="6350"/>
           </a:xfrm>
           <a:prstGeom prst="straightConnector1">
@@ -4316,7 +4316,7 @@
         </p:nvSpPr>
         <p:spPr>
           <a:xfrm>
-            <a:off x="7597775" y="1581150"/>
+            <a:off x="7579360" y="1990725"/>
             <a:ext cx="974090" cy="245110"/>
           </a:xfrm>
           <a:prstGeom prst="rect">
@@ -4349,7 +4349,7 @@
         </p:nvSpPr>
         <p:spPr>
           <a:xfrm>
-            <a:off x="7597775" y="4502150"/>
+            <a:off x="7579360" y="4911725"/>
             <a:ext cx="974090" cy="245110"/>
           </a:xfrm>
           <a:prstGeom prst="rect">
@@ -4382,7 +4382,7 @@
         </p:nvSpPr>
         <p:spPr>
           <a:xfrm>
-            <a:off x="7597775" y="4963795"/>
+            <a:off x="7579360" y="5373370"/>
             <a:ext cx="1102360" cy="245110"/>
           </a:xfrm>
           <a:prstGeom prst="rect">
@@ -4415,7 +4415,7 @@
         </p:nvSpPr>
         <p:spPr>
           <a:xfrm>
-            <a:off x="7243445" y="2126615"/>
+            <a:off x="7225030" y="2536190"/>
             <a:ext cx="281305" cy="222250"/>
           </a:xfrm>
           <a:prstGeom prst="ellipse">
@@ -4456,7 +4456,7 @@
         </p:nvSpPr>
         <p:spPr>
           <a:xfrm>
-            <a:off x="6787515" y="595630"/>
+            <a:off x="6769100" y="1005205"/>
             <a:ext cx="281305" cy="222250"/>
           </a:xfrm>
           <a:prstGeom prst="ellipse">
@@ -4497,7 +4497,7 @@
         </p:nvSpPr>
         <p:spPr>
           <a:xfrm>
-            <a:off x="7388225" y="4963795"/>
+            <a:off x="7369810" y="5373370"/>
             <a:ext cx="281305" cy="222250"/>
           </a:xfrm>
           <a:prstGeom prst="ellipse">
@@ -4538,7 +4538,7 @@
         </p:nvSpPr>
         <p:spPr>
           <a:xfrm>
-            <a:off x="5638800" y="1262380"/>
+            <a:off x="5620385" y="1671955"/>
             <a:ext cx="281305" cy="222250"/>
           </a:xfrm>
           <a:prstGeom prst="ellipse">
@@ -4579,7 +4579,7 @@
         </p:nvSpPr>
         <p:spPr>
           <a:xfrm>
-            <a:off x="5638800" y="4211320"/>
+            <a:off x="5620385" y="4620895"/>
             <a:ext cx="281305" cy="222250"/>
           </a:xfrm>
           <a:prstGeom prst="ellipse">
@@ -4620,7 +4620,7 @@
         </p:nvSpPr>
         <p:spPr>
           <a:xfrm>
-            <a:off x="5638800" y="4639310"/>
+            <a:off x="5620385" y="5048885"/>
             <a:ext cx="281305" cy="222250"/>
           </a:xfrm>
           <a:prstGeom prst="ellipse">
@@ -4661,7 +4661,7 @@
         </p:nvSpPr>
         <p:spPr>
           <a:xfrm>
-            <a:off x="7388225" y="4513580"/>
+            <a:off x="7369810" y="4923155"/>
             <a:ext cx="281305" cy="222250"/>
           </a:xfrm>
           <a:prstGeom prst="ellipse">
@@ -4702,7 +4702,7 @@
         </p:nvSpPr>
         <p:spPr>
           <a:xfrm>
-            <a:off x="5640070" y="1715135"/>
+            <a:off x="5621655" y="2124710"/>
             <a:ext cx="281305" cy="222250"/>
           </a:xfrm>
           <a:prstGeom prst="ellipse">
@@ -4743,7 +4743,7 @@
         </p:nvSpPr>
         <p:spPr>
           <a:xfrm>
-            <a:off x="7388225" y="1581150"/>
+            <a:off x="7369810" y="1990725"/>
             <a:ext cx="281305" cy="222250"/>
           </a:xfrm>
           <a:prstGeom prst="ellipse">
@@ -4784,7 +4784,7 @@
         </p:nvSpPr>
         <p:spPr>
           <a:xfrm>
-            <a:off x="6076315" y="2505075"/>
+            <a:off x="6057900" y="2914650"/>
             <a:ext cx="1856740" cy="245110"/>
           </a:xfrm>
           <a:prstGeom prst="rect">
@@ -4823,7 +4823,7 @@
         </p:nvCxnSpPr>
         <p:spPr>
           <a:xfrm rot="10800000">
-            <a:off x="4774565" y="2350135"/>
+            <a:off x="4756785" y="2759710"/>
             <a:ext cx="4023995" cy="400050"/>
           </a:xfrm>
           <a:prstGeom prst="bentConnector3">
@@ -4860,7 +4860,7 @@
         </p:nvCxnSpPr>
         <p:spPr>
           <a:xfrm rot="10800000">
-            <a:off x="4774565" y="2350135"/>
+            <a:off x="4756785" y="2759710"/>
             <a:ext cx="4015105" cy="882650"/>
           </a:xfrm>
           <a:prstGeom prst="bentConnector3">
@@ -4897,7 +4897,7 @@
         </p:nvCxnSpPr>
         <p:spPr>
           <a:xfrm rot="10800000">
-            <a:off x="4773930" y="5208270"/>
+            <a:off x="4756150" y="5618480"/>
             <a:ext cx="4025265" cy="409575"/>
           </a:xfrm>
           <a:prstGeom prst="bentConnector3">
@@ -4934,7 +4934,7 @@
         </p:nvCxnSpPr>
         <p:spPr>
           <a:xfrm rot="10800000">
-            <a:off x="4773930" y="5208270"/>
+            <a:off x="4756150" y="5618480"/>
             <a:ext cx="4062095" cy="782955"/>
           </a:xfrm>
           <a:prstGeom prst="bentConnector3">
@@ -4969,7 +4969,7 @@
         </p:nvSpPr>
         <p:spPr>
           <a:xfrm>
-            <a:off x="6076315" y="5372735"/>
+            <a:off x="6057900" y="5782310"/>
             <a:ext cx="1856740" cy="245110"/>
           </a:xfrm>
           <a:prstGeom prst="rect">
@@ -5006,7 +5006,7 @@
         </p:nvSpPr>
         <p:spPr>
           <a:xfrm>
-            <a:off x="5921375" y="2987675"/>
+            <a:off x="5902960" y="3397250"/>
             <a:ext cx="2011680" cy="245110"/>
           </a:xfrm>
           <a:prstGeom prst="rect">
@@ -5059,7 +5059,7 @@
         </p:nvSpPr>
         <p:spPr>
           <a:xfrm>
-            <a:off x="5922010" y="5746115"/>
+            <a:off x="5903595" y="6155690"/>
             <a:ext cx="2011045" cy="245110"/>
           </a:xfrm>
           <a:prstGeom prst="rect">
@@ -5112,7 +5112,7 @@
         </p:nvSpPr>
         <p:spPr>
           <a:xfrm>
-            <a:off x="7825105" y="2516505"/>
+            <a:off x="7806690" y="2926080"/>
             <a:ext cx="626745" cy="222250"/>
           </a:xfrm>
           <a:prstGeom prst="ellipse">
@@ -5153,7 +5153,7 @@
         </p:nvSpPr>
         <p:spPr>
           <a:xfrm>
-            <a:off x="7825105" y="5372735"/>
+            <a:off x="7806690" y="5782310"/>
             <a:ext cx="626745" cy="222250"/>
           </a:xfrm>
           <a:prstGeom prst="ellipse">
@@ -5194,7 +5194,7 @@
         </p:nvSpPr>
         <p:spPr>
           <a:xfrm>
-            <a:off x="7835900" y="2952115"/>
+            <a:off x="7817485" y="3361690"/>
             <a:ext cx="626745" cy="222250"/>
           </a:xfrm>
           <a:prstGeom prst="ellipse">
@@ -5235,7 +5235,7 @@
         </p:nvSpPr>
         <p:spPr>
           <a:xfrm>
-            <a:off x="7825105" y="5768975"/>
+            <a:off x="7806690" y="6178550"/>
             <a:ext cx="626745" cy="222250"/>
           </a:xfrm>
           <a:prstGeom prst="ellipse">
@@ -5265,6 +5265,40 @@
               <a:t>9-b</a:t>
             </a:r>
             <a:endParaRPr lang="en-US" altLang="zh-CN" sz="1400"/>
+          </a:p>
+        </p:txBody>
+      </p:sp>
+      <p:sp>
+        <p:nvSpPr>
+          <p:cNvPr id="2" name="文本框 1"/>
+          <p:cNvSpPr txBox="1"/>
+          <p:nvPr/>
+        </p:nvSpPr>
+        <p:spPr>
+          <a:xfrm>
+            <a:off x="3872865" y="264160"/>
+            <a:ext cx="3779520" cy="306705"/>
+          </a:xfrm>
+          <a:prstGeom prst="rect">
+            <a:avLst/>
+          </a:prstGeom>
+          <a:noFill/>
+        </p:spPr>
+        <p:txBody>
+          <a:bodyPr wrap="square" rtlCol="0">
+            <a:spAutoFit/>
+          </a:bodyPr>
+          <a:p>
+            <a:pPr algn="ctr"/>
+            <a:r>
+              <a:rPr lang="en-US" altLang="zh-CN" sz="1400"/>
+              <a:t>seata  AT </a:t>
+            </a:r>
+            <a:r>
+              <a:rPr lang="zh-CN" altLang="en-US" sz="1400"/>
+              <a:t>模式事务提交流程</a:t>
+            </a:r>
+            <a:endParaRPr lang="zh-CN" altLang="en-US" sz="1400"/>
           </a:p>
         </p:txBody>
       </p:sp>
